--- a/semaine2/semaine2-0bis.pptx
+++ b/semaine2/semaine2-0bis.pptx
@@ -5,17 +5,19 @@
     <p:sldMasterId id="2147483649" r:id="rId1"/>
   </p:sldMasterIdLst>
   <p:notesMasterIdLst>
-    <p:notesMasterId r:id="rId7"/>
+    <p:notesMasterId r:id="rId9"/>
   </p:notesMasterIdLst>
   <p:handoutMasterIdLst>
-    <p:handoutMasterId r:id="rId8"/>
+    <p:handoutMasterId r:id="rId10"/>
   </p:handoutMasterIdLst>
   <p:sldIdLst>
     <p:sldId id="895" r:id="rId2"/>
     <p:sldId id="907" r:id="rId3"/>
     <p:sldId id="896" r:id="rId4"/>
-    <p:sldId id="902" r:id="rId5"/>
-    <p:sldId id="908" r:id="rId6"/>
+    <p:sldId id="909" r:id="rId5"/>
+    <p:sldId id="910" r:id="rId6"/>
+    <p:sldId id="902" r:id="rId7"/>
+    <p:sldId id="908" r:id="rId8"/>
   </p:sldIdLst>
   <p:sldSz cx="9144000" cy="6858000" type="screen4x3"/>
   <p:notesSz cx="7099300" cy="10234613"/>
@@ -152,6 +154,8 @@
             <p14:sldId id="895"/>
             <p14:sldId id="907"/>
             <p14:sldId id="896"/>
+            <p14:sldId id="909"/>
+            <p14:sldId id="910"/>
             <p14:sldId id="902"/>
             <p14:sldId id="908"/>
           </p14:sldIdLst>
@@ -4313,23 +4317,7 @@
           <a:p>
             <a:r>
               <a:rPr lang="fr-FR" dirty="0" smtClean="0"/>
-              <a:t>Résumé de la séquence </a:t>
-            </a:r>
-            <a:r>
-              <a:rPr lang="fr-FR" dirty="0" smtClean="0"/>
-              <a:t>(</a:t>
-            </a:r>
-            <a:r>
-              <a:rPr lang="fr-FR" dirty="0" smtClean="0"/>
-              <a:t>15</a:t>
-            </a:r>
-            <a:r>
-              <a:rPr lang="fr-FR" dirty="0" smtClean="0"/>
-              <a:t>s</a:t>
-            </a:r>
-            <a:r>
-              <a:rPr lang="fr-FR" dirty="0" smtClean="0"/>
-              <a:t>)</a:t>
+              <a:t>Résumé de la séquence (15s)</a:t>
             </a:r>
             <a:endParaRPr lang="fr-FR" dirty="0"/>
           </a:p>
@@ -4384,7 +4372,6 @@
               <a:rPr lang="fr-FR" sz="2800" dirty="0" smtClean="0"/>
               <a:t>Commençons par nous placer dans un terminal interactif…</a:t>
             </a:r>
-            <a:endParaRPr lang="fr-FR" sz="2800" dirty="0" smtClean="0"/>
           </a:p>
         </p:txBody>
       </p:sp>
@@ -4487,15 +4474,7 @@
           <a:p>
             <a:r>
               <a:rPr lang="fr-FR" dirty="0" smtClean="0"/>
-              <a:t>Total : </a:t>
-            </a:r>
-            <a:r>
-              <a:rPr lang="fr-FR" dirty="0" smtClean="0"/>
-              <a:t>15 </a:t>
-            </a:r>
-            <a:r>
-              <a:rPr lang="fr-FR" dirty="0" smtClean="0"/>
-              <a:t>secondes</a:t>
+              <a:t>Total : 15 secondes</a:t>
             </a:r>
             <a:endParaRPr lang="fr-FR" dirty="0"/>
           </a:p>
@@ -4652,12 +4631,8 @@
           <a:lstStyle/>
           <a:p>
             <a:r>
-              <a:rPr lang="fr-FR" dirty="0"/>
-              <a:t>Résumé de la </a:t>
-            </a:r>
-            <a:r>
               <a:rPr lang="fr-FR" dirty="0" smtClean="0"/>
-              <a:t>séance (8s)</a:t>
+              <a:t>Exo1</a:t>
             </a:r>
             <a:endParaRPr lang="fr-FR" dirty="0"/>
           </a:p>
@@ -4678,63 +4653,14 @@
           <a:bodyPr/>
           <a:lstStyle/>
           <a:p>
-            <a:r>
-              <a:rPr lang="fr-FR" dirty="0" smtClean="0"/>
-              <a:t>Dans ces deux vidéos nous avons introduit de nouvelles notions qui vont nous aider dès maintenant à écrire de vrais petits programmes et ainsi commencer à jouer avec Python. </a:t>
-            </a:r>
-            <a:endParaRPr lang="fr-FR" dirty="0"/>
-          </a:p>
-        </p:txBody>
-      </p:sp>
-      <p:sp>
-        <p:nvSpPr>
-          <p:cNvPr id="4" name="ZoneTexte 3"/>
-          <p:cNvSpPr txBox="1"/>
-          <p:nvPr/>
-        </p:nvSpPr>
-        <p:spPr>
-          <a:xfrm>
-            <a:off x="0" y="92076"/>
-            <a:ext cx="1537855" cy="400110"/>
-          </a:xfrm>
-          <a:prstGeom prst="rect">
-            <a:avLst/>
-          </a:prstGeom>
-          <a:noFill/>
-          <a:ln>
-            <a:solidFill>
-              <a:srgbClr val="FF0000"/>
-            </a:solidFill>
-          </a:ln>
-        </p:spPr>
-        <p:txBody>
-          <a:bodyPr wrap="square" rtlCol="0">
-            <a:spAutoFit/>
-          </a:bodyPr>
-          <a:lstStyle/>
-          <a:p>
-            <a:r>
-              <a:rPr lang="fr-FR" sz="2000" dirty="0" smtClean="0">
-                <a:solidFill>
-                  <a:srgbClr val="FF0000"/>
-                </a:solidFill>
-                <a:latin typeface="Calibri" panose="020F0502020204030204" pitchFamily="34" charset="0"/>
-              </a:rPr>
-              <a:t>prompteur</a:t>
-            </a:r>
-            <a:endParaRPr lang="fr-FR" sz="2000" dirty="0">
-              <a:solidFill>
-                <a:srgbClr val="FF0000"/>
-              </a:solidFill>
-              <a:latin typeface="Calibri" panose="020F0502020204030204" pitchFamily="34" charset="0"/>
-            </a:endParaRPr>
+            <a:endParaRPr lang="fr-FR"/>
           </a:p>
         </p:txBody>
       </p:sp>
     </p:spTree>
     <p:extLst>
       <p:ext uri="{BB962C8B-B14F-4D97-AF65-F5344CB8AC3E}">
-        <p14:creationId xmlns:p14="http://schemas.microsoft.com/office/powerpoint/2010/main" val="1415606349"/>
+        <p14:creationId xmlns:p14="http://schemas.microsoft.com/office/powerpoint/2010/main" val="607103148"/>
       </p:ext>
     </p:extLst>
   </p:cSld>
@@ -4770,12 +4696,12 @@
       </p:grpSpPr>
       <p:sp>
         <p:nvSpPr>
-          <p:cNvPr id="4" name="Titre 3"/>
+          <p:cNvPr id="2" name="Titre 1"/>
           <p:cNvSpPr>
             <a:spLocks noGrp="1"/>
           </p:cNvSpPr>
           <p:nvPr>
-            <p:ph type="ctrTitle"/>
+            <p:ph type="title"/>
           </p:nvPr>
         </p:nvSpPr>
         <p:spPr/>
@@ -4785,15 +4711,222 @@
           <a:p>
             <a:r>
               <a:rPr lang="fr-FR" dirty="0" smtClean="0"/>
+              <a:t>Nouvelle séquence</a:t>
+            </a:r>
+            <a:endParaRPr lang="fr-FR" dirty="0"/>
+          </a:p>
+        </p:txBody>
+      </p:sp>
+      <p:sp>
+        <p:nvSpPr>
+          <p:cNvPr id="3" name="Espace réservé du contenu 2"/>
+          <p:cNvSpPr>
+            <a:spLocks noGrp="1"/>
+          </p:cNvSpPr>
+          <p:nvPr>
+            <p:ph idx="1"/>
+          </p:nvPr>
+        </p:nvSpPr>
+        <p:spPr/>
+        <p:txBody>
+          <a:bodyPr/>
+          <a:lstStyle/>
+          <a:p>
+            <a:endParaRPr lang="fr-FR"/>
+          </a:p>
+        </p:txBody>
+      </p:sp>
+    </p:spTree>
+    <p:extLst>
+      <p:ext uri="{BB962C8B-B14F-4D97-AF65-F5344CB8AC3E}">
+        <p14:creationId xmlns:p14="http://schemas.microsoft.com/office/powerpoint/2010/main" val="914883647"/>
+      </p:ext>
+    </p:extLst>
+  </p:cSld>
+  <p:clrMapOvr>
+    <a:masterClrMapping/>
+  </p:clrMapOvr>
+  <p:timing>
+    <p:tnLst>
+      <p:par>
+        <p:cTn id="1" dur="indefinite" restart="never" nodeType="tmRoot"/>
+      </p:par>
+    </p:tnLst>
+  </p:timing>
+</p:sld>
+</file>
+
+<file path=ppt/slides/slide6.xml><?xml version="1.0" encoding="utf-8"?>
+<p:sld xmlns:a="http://schemas.openxmlformats.org/drawingml/2006/main" xmlns:r="http://schemas.openxmlformats.org/officeDocument/2006/relationships" xmlns:p="http://schemas.openxmlformats.org/presentationml/2006/main">
+  <p:cSld>
+    <p:spTree>
+      <p:nvGrpSpPr>
+        <p:cNvPr id="1" name=""/>
+        <p:cNvGrpSpPr/>
+        <p:nvPr/>
+      </p:nvGrpSpPr>
+      <p:grpSpPr>
+        <a:xfrm>
+          <a:off x="0" y="0"/>
+          <a:ext cx="0" cy="0"/>
+          <a:chOff x="0" y="0"/>
+          <a:chExt cx="0" cy="0"/>
+        </a:xfrm>
+      </p:grpSpPr>
+      <p:sp>
+        <p:nvSpPr>
+          <p:cNvPr id="2" name="Titre 1"/>
+          <p:cNvSpPr>
+            <a:spLocks noGrp="1"/>
+          </p:cNvSpPr>
+          <p:nvPr>
+            <p:ph type="title"/>
+          </p:nvPr>
+        </p:nvSpPr>
+        <p:spPr/>
+        <p:txBody>
+          <a:bodyPr/>
+          <a:lstStyle/>
+          <a:p>
+            <a:r>
+              <a:rPr lang="fr-FR" dirty="0"/>
+              <a:t>Résumé de la </a:t>
+            </a:r>
+            <a:r>
+              <a:rPr lang="fr-FR" dirty="0" smtClean="0"/>
+              <a:t>séance (8s)</a:t>
+            </a:r>
+            <a:endParaRPr lang="fr-FR" dirty="0"/>
+          </a:p>
+        </p:txBody>
+      </p:sp>
+      <p:sp>
+        <p:nvSpPr>
+          <p:cNvPr id="3" name="Espace réservé du contenu 2"/>
+          <p:cNvSpPr>
+            <a:spLocks noGrp="1"/>
+          </p:cNvSpPr>
+          <p:nvPr>
+            <p:ph idx="1"/>
+          </p:nvPr>
+        </p:nvSpPr>
+        <p:spPr/>
+        <p:txBody>
+          <a:bodyPr/>
+          <a:lstStyle/>
+          <a:p>
+            <a:r>
+              <a:rPr lang="fr-FR" dirty="0" smtClean="0"/>
+              <a:t>Dans ces deux vidéos nous avons introduit de nouvelles notions qui vont nous aider dès maintenant à écrire de vrais petits programmes et ainsi commencer à jouer avec Python. </a:t>
+            </a:r>
+            <a:endParaRPr lang="fr-FR" dirty="0"/>
+          </a:p>
+        </p:txBody>
+      </p:sp>
+      <p:sp>
+        <p:nvSpPr>
+          <p:cNvPr id="4" name="ZoneTexte 3"/>
+          <p:cNvSpPr txBox="1"/>
+          <p:nvPr/>
+        </p:nvSpPr>
+        <p:spPr>
+          <a:xfrm>
+            <a:off x="0" y="92076"/>
+            <a:ext cx="1537855" cy="400110"/>
+          </a:xfrm>
+          <a:prstGeom prst="rect">
+            <a:avLst/>
+          </a:prstGeom>
+          <a:noFill/>
+          <a:ln>
+            <a:solidFill>
+              <a:srgbClr val="FF0000"/>
+            </a:solidFill>
+          </a:ln>
+        </p:spPr>
+        <p:txBody>
+          <a:bodyPr wrap="square" rtlCol="0">
+            <a:spAutoFit/>
+          </a:bodyPr>
+          <a:lstStyle/>
+          <a:p>
+            <a:r>
+              <a:rPr lang="fr-FR" sz="2000" dirty="0" smtClean="0">
+                <a:solidFill>
+                  <a:srgbClr val="FF0000"/>
+                </a:solidFill>
+                <a:latin typeface="Calibri" panose="020F0502020204030204" pitchFamily="34" charset="0"/>
+              </a:rPr>
+              <a:t>prompteur</a:t>
+            </a:r>
+            <a:endParaRPr lang="fr-FR" sz="2000" dirty="0">
+              <a:solidFill>
+                <a:srgbClr val="FF0000"/>
+              </a:solidFill>
+              <a:latin typeface="Calibri" panose="020F0502020204030204" pitchFamily="34" charset="0"/>
+            </a:endParaRPr>
+          </a:p>
+        </p:txBody>
+      </p:sp>
+    </p:spTree>
+    <p:extLst>
+      <p:ext uri="{BB962C8B-B14F-4D97-AF65-F5344CB8AC3E}">
+        <p14:creationId xmlns:p14="http://schemas.microsoft.com/office/powerpoint/2010/main" val="1415606349"/>
+      </p:ext>
+    </p:extLst>
+  </p:cSld>
+  <p:clrMapOvr>
+    <a:masterClrMapping/>
+  </p:clrMapOvr>
+  <p:timing>
+    <p:tnLst>
+      <p:par>
+        <p:cTn id="1" dur="indefinite" restart="never" nodeType="tmRoot"/>
+      </p:par>
+    </p:tnLst>
+  </p:timing>
+</p:sld>
+</file>
+
+<file path=ppt/slides/slide7.xml><?xml version="1.0" encoding="utf-8"?>
+<p:sld xmlns:a="http://schemas.openxmlformats.org/drawingml/2006/main" xmlns:r="http://schemas.openxmlformats.org/officeDocument/2006/relationships" xmlns:p="http://schemas.openxmlformats.org/presentationml/2006/main">
+  <p:cSld>
+    <p:spTree>
+      <p:nvGrpSpPr>
+        <p:cNvPr id="1" name=""/>
+        <p:cNvGrpSpPr/>
+        <p:nvPr/>
+      </p:nvGrpSpPr>
+      <p:grpSpPr>
+        <a:xfrm>
+          <a:off x="0" y="0"/>
+          <a:ext cx="0" cy="0"/>
+          <a:chOff x="0" y="0"/>
+          <a:chExt cx="0" cy="0"/>
+        </a:xfrm>
+      </p:grpSpPr>
+      <p:sp>
+        <p:nvSpPr>
+          <p:cNvPr id="4" name="Titre 3"/>
+          <p:cNvSpPr>
+            <a:spLocks noGrp="1"/>
+          </p:cNvSpPr>
+          <p:nvPr>
+            <p:ph type="ctrTitle"/>
+          </p:nvPr>
+        </p:nvSpPr>
+        <p:spPr/>
+        <p:txBody>
+          <a:bodyPr/>
+          <a:lstStyle/>
+          <a:p>
+            <a:r>
+              <a:rPr lang="fr-FR" dirty="0" smtClean="0"/>
               <a:t>Total </a:t>
             </a:r>
             <a:r>
               <a:rPr lang="fr-FR" smtClean="0"/>
-              <a:t>: </a:t>
-            </a:r>
-            <a:r>
-              <a:rPr lang="fr-FR" smtClean="0"/>
-              <a:t>23 </a:t>
+              <a:t>: 23 </a:t>
             </a:r>
             <a:r>
               <a:rPr lang="fr-FR" dirty="0" smtClean="0"/>
